--- a/public/media_assets/2019_5A_Deck_Template_16_9.pptx
+++ b/public/media_assets/2019_5A_Deck_Template_16_9.pptx
@@ -3227,7 +3227,7 @@
         </p:blipFill>
         <p:spPr>
           <a:xfrm>
-            <a:off x="4069903" y="11759146"/>
+            <a:off x="4069903" y="11759145"/>
             <a:ext cx="609601" cy="609583"/>
           </a:xfrm>
           <a:prstGeom prst="rect">
@@ -5402,8 +5402,8 @@
         </p:blipFill>
         <p:spPr>
           <a:xfrm>
-            <a:off x="1348758" y="2116990"/>
-            <a:ext cx="16577279" cy="3961866"/>
+            <a:off x="1349622" y="9200826"/>
+            <a:ext cx="18547137" cy="3086525"/>
           </a:xfrm>
           <a:prstGeom prst="rect">
             <a:avLst/>
@@ -5431,8 +5431,8 @@
         </p:blipFill>
         <p:spPr>
           <a:xfrm>
-            <a:off x="1349622" y="9200826"/>
-            <a:ext cx="18547137" cy="3086525"/>
+            <a:off x="1350647" y="2117442"/>
+            <a:ext cx="16573501" cy="3960963"/>
           </a:xfrm>
           <a:prstGeom prst="rect">
             <a:avLst/>
@@ -5822,7 +5822,7 @@
               </a:defRPr>
             </a:pPr>
             <a:r>
-              <a:t>Nanno</a:t>
+              <a:t>ImageSeller</a:t>
             </a:r>
           </a:p>
           <a:p>
@@ -5841,7 +5841,7 @@
               </a:defRPr>
             </a:pPr>
             <a:r>
-              <a:t>Nix Media</a:t>
+              <a:t>Nanno</a:t>
             </a:r>
           </a:p>
         </p:txBody>
@@ -6277,7 +6277,7 @@
       </p:pic>
       <p:sp>
         <p:nvSpPr>
-          <p:cNvPr id="186" name="Officescapes…"/>
+          <p:cNvPr id="186" name="Nix Media…"/>
           <p:cNvSpPr txBox="1"/>
           <p:nvPr/>
         </p:nvSpPr>
@@ -6301,6 +6301,25 @@
         <p:txBody>
           <a:bodyPr lIns="27093" tIns="27093" rIns="27093" bIns="27093"/>
           <a:lstStyle/>
+          <a:p>
+            <a:pPr algn="l" defTabSz="587022">
+              <a:lnSpc>
+                <a:spcPct val="130000"/>
+              </a:lnSpc>
+              <a:defRPr spc="-42" sz="2100">
+                <a:solidFill>
+                  <a:srgbClr val="797979"/>
+                </a:solidFill>
+                <a:latin typeface="Montserrat Light"/>
+                <a:ea typeface="Montserrat Light"/>
+                <a:cs typeface="Montserrat Light"/>
+                <a:sym typeface="Montserrat Light"/>
+              </a:defRPr>
+            </a:pPr>
+            <a:r>
+              <a:t>Nix Media</a:t>
+            </a:r>
+          </a:p>
           <a:p>
             <a:pPr algn="l" defTabSz="587022">
               <a:lnSpc>
